--- a/docs/introduction.pptx
+++ b/docs/introduction.pptx
@@ -12,8 +12,8 @@
     <p:sldId id="317" r:id="rId3"/>
     <p:sldId id="318" r:id="rId4"/>
     <p:sldId id="291" r:id="rId5"/>
-    <p:sldId id="320" r:id="rId6"/>
-    <p:sldId id="298" r:id="rId7"/>
+    <p:sldId id="298" r:id="rId6"/>
+    <p:sldId id="320" r:id="rId7"/>
     <p:sldId id="310" r:id="rId8"/>
     <p:sldId id="313" r:id="rId9"/>
     <p:sldId id="316" r:id="rId10"/>
@@ -246,7 +246,7 @@
           <a:p>
             <a:fld id="{B0F426C9-EBE5-3743-A61B-9DDFFF30862E}" type="datetimeFigureOut">
               <a:rPr lang="de-DE" smtClean="0"/>
-              <a:t>22.09.2019</a:t>
+              <a:t>23.09.2019</a:t>
             </a:fld>
             <a:endParaRPr lang="de-DE"/>
           </a:p>
@@ -9319,14 +9319,14 @@
           </a:ln>
           <a:extLst>
             <a:ext uri="{909E8E84-426E-40dd-AFC4-6F175D3DCCD1}">
-              <a14:hiddenFill xmlns="" xmlns:a14="http://schemas.microsoft.com/office/drawing/2010/main">
+              <a14:hiddenFill xmlns:a14="http://schemas.microsoft.com/office/drawing/2010/main" xmlns="">
                 <a:solidFill>
                   <a:srgbClr val="FFFFFF"/>
                 </a:solidFill>
               </a14:hiddenFill>
             </a:ext>
             <a:ext uri="{91240B29-F687-4f45-9708-019B960494DF}">
-              <a14:hiddenLine xmlns="" xmlns:a14="http://schemas.microsoft.com/office/drawing/2010/main" w="9525">
+              <a14:hiddenLine xmlns:a14="http://schemas.microsoft.com/office/drawing/2010/main" xmlns="" w="9525">
                 <a:solidFill>
                   <a:srgbClr val="000000"/>
                 </a:solidFill>
@@ -9663,14 +9663,14 @@
           </a:ln>
           <a:extLst>
             <a:ext uri="{909E8E84-426E-40dd-AFC4-6F175D3DCCD1}">
-              <a14:hiddenFill xmlns="" xmlns:a14="http://schemas.microsoft.com/office/drawing/2010/main">
+              <a14:hiddenFill xmlns:a14="http://schemas.microsoft.com/office/drawing/2010/main" xmlns="">
                 <a:solidFill>
                   <a:srgbClr val="FFFFFF"/>
                 </a:solidFill>
               </a14:hiddenFill>
             </a:ext>
             <a:ext uri="{91240B29-F687-4f45-9708-019B960494DF}">
-              <a14:hiddenLine xmlns="" xmlns:a14="http://schemas.microsoft.com/office/drawing/2010/main" w="9525">
+              <a14:hiddenLine xmlns:a14="http://schemas.microsoft.com/office/drawing/2010/main" xmlns="" w="9525">
                 <a:solidFill>
                   <a:srgbClr val="000000"/>
                 </a:solidFill>
@@ -14271,13 +14271,7 @@
       </p:grpSpPr>
       <p:sp>
         <p:nvSpPr>
-          <p:cNvPr id="2" name="Foliennummernplatzhalter 1">
-            <a:extLst>
-              <a:ext uri="{FF2B5EF4-FFF2-40B4-BE49-F238E27FC236}">
-                <a16:creationId xmlns:a16="http://schemas.microsoft.com/office/drawing/2014/main" id="{8F697C47-A182-C146-BC1E-03C534FD55B8}"/>
-              </a:ext>
-            </a:extLst>
-          </p:cNvPr>
+          <p:cNvPr id="2" name="Slide Number Placeholder 1"/>
           <p:cNvSpPr>
             <a:spLocks noGrp="1"/>
           </p:cNvSpPr>
@@ -14294,134 +14288,6 @@
               <a:rPr lang="de-DE" smtClean="0"/>
               <a:pPr/>
               <a:t>5</a:t>
-            </a:fld>
-            <a:endParaRPr lang="de-DE" dirty="0"/>
-          </a:p>
-        </p:txBody>
-      </p:sp>
-      <p:sp>
-        <p:nvSpPr>
-          <p:cNvPr id="3" name="Textplatzhalter 2">
-            <a:extLst>
-              <a:ext uri="{FF2B5EF4-FFF2-40B4-BE49-F238E27FC236}">
-                <a16:creationId xmlns:a16="http://schemas.microsoft.com/office/drawing/2014/main" id="{57E923F8-5CFF-3347-ACB7-7478B6D4BB6E}"/>
-              </a:ext>
-            </a:extLst>
-          </p:cNvPr>
-          <p:cNvSpPr>
-            <a:spLocks noGrp="1"/>
-          </p:cNvSpPr>
-          <p:nvPr>
-            <p:ph type="body" sz="quarter" idx="17"/>
-          </p:nvPr>
-        </p:nvSpPr>
-        <p:spPr/>
-        <p:txBody>
-          <a:bodyPr/>
-          <a:lstStyle/>
-          <a:p>
-            <a:r>
-              <a:rPr lang="en-US" sz="3200" dirty="0"/>
-              <a:t>The </a:t>
-            </a:r>
-            <a:r>
-              <a:rPr lang="en-US" sz="3200" dirty="0" smtClean="0"/>
-              <a:t>course webpage</a:t>
-            </a:r>
-            <a:endParaRPr lang="de-DE" sz="3200" dirty="0"/>
-          </a:p>
-        </p:txBody>
-      </p:sp>
-      <p:sp>
-        <p:nvSpPr>
-          <p:cNvPr id="4" name="Textplatzhalter 3">
-            <a:extLst>
-              <a:ext uri="{FF2B5EF4-FFF2-40B4-BE49-F238E27FC236}">
-                <a16:creationId xmlns:a16="http://schemas.microsoft.com/office/drawing/2014/main" id="{3CE0DFEF-2098-294D-A052-7E066037F4A0}"/>
-              </a:ext>
-            </a:extLst>
-          </p:cNvPr>
-          <p:cNvSpPr>
-            <a:spLocks noGrp="1"/>
-          </p:cNvSpPr>
-          <p:nvPr>
-            <p:ph type="body" sz="quarter" idx="18"/>
-          </p:nvPr>
-        </p:nvSpPr>
-        <p:spPr/>
-        <p:txBody>
-          <a:bodyPr/>
-          <a:lstStyle/>
-          <a:p>
-            <a:pPr marL="0" indent="0">
-              <a:buNone/>
-            </a:pPr>
-            <a:r>
-              <a:rPr lang="en-US" dirty="0">
-                <a:hlinkClick r:id="rId2"/>
-              </a:rPr>
-              <a:t>https://idiv-biodiversity.github.io/yDiv_building_packages_Rstudio_GitHub/</a:t>
-            </a:r>
-            <a:endParaRPr lang="de-DE" dirty="0"/>
-          </a:p>
-        </p:txBody>
-      </p:sp>
-    </p:spTree>
-    <p:extLst>
-      <p:ext uri="{BB962C8B-B14F-4D97-AF65-F5344CB8AC3E}">
-        <p14:creationId xmlns:p14="http://schemas.microsoft.com/office/powerpoint/2010/main" val="4259105521"/>
-      </p:ext>
-    </p:extLst>
-  </p:cSld>
-  <p:clrMapOvr>
-    <a:masterClrMapping/>
-  </p:clrMapOvr>
-  <p:timing>
-    <p:tnLst>
-      <p:par>
-        <p:cTn id="1" dur="indefinite" restart="never" nodeType="tmRoot"/>
-      </p:par>
-    </p:tnLst>
-  </p:timing>
-</p:sld>
-</file>
-
-<file path=ppt/slides/slide6.xml><?xml version="1.0" encoding="utf-8"?>
-<p:sld xmlns:a="http://schemas.openxmlformats.org/drawingml/2006/main" xmlns:r="http://schemas.openxmlformats.org/officeDocument/2006/relationships" xmlns:p="http://schemas.openxmlformats.org/presentationml/2006/main">
-  <p:cSld>
-    <p:spTree>
-      <p:nvGrpSpPr>
-        <p:cNvPr id="1" name=""/>
-        <p:cNvGrpSpPr/>
-        <p:nvPr/>
-      </p:nvGrpSpPr>
-      <p:grpSpPr>
-        <a:xfrm>
-          <a:off x="0" y="0"/>
-          <a:ext cx="0" cy="0"/>
-          <a:chOff x="0" y="0"/>
-          <a:chExt cx="0" cy="0"/>
-        </a:xfrm>
-      </p:grpSpPr>
-      <p:sp>
-        <p:nvSpPr>
-          <p:cNvPr id="2" name="Slide Number Placeholder 1"/>
-          <p:cNvSpPr>
-            <a:spLocks noGrp="1"/>
-          </p:cNvSpPr>
-          <p:nvPr>
-            <p:ph type="sldNum" sz="quarter" idx="10"/>
-          </p:nvPr>
-        </p:nvSpPr>
-        <p:spPr/>
-        <p:txBody>
-          <a:bodyPr/>
-          <a:lstStyle/>
-          <a:p>
-            <a:fld id="{4C9BCB9A-1FC9-B141-82B1-F720E2D6C81A}" type="slidenum">
-              <a:rPr lang="de-DE" smtClean="0"/>
-              <a:pPr/>
-              <a:t>6</a:t>
             </a:fld>
             <a:endParaRPr lang="de-DE" dirty="0"/>
           </a:p>
@@ -14582,6 +14448,140 @@
     <p:bldLst>
       <p:bldP spid="4" grpId="0" build="p"/>
     </p:bldLst>
+  </p:timing>
+</p:sld>
+</file>
+
+<file path=ppt/slides/slide6.xml><?xml version="1.0" encoding="utf-8"?>
+<p:sld xmlns:a="http://schemas.openxmlformats.org/drawingml/2006/main" xmlns:r="http://schemas.openxmlformats.org/officeDocument/2006/relationships" xmlns:p="http://schemas.openxmlformats.org/presentationml/2006/main">
+  <p:cSld>
+    <p:spTree>
+      <p:nvGrpSpPr>
+        <p:cNvPr id="1" name=""/>
+        <p:cNvGrpSpPr/>
+        <p:nvPr/>
+      </p:nvGrpSpPr>
+      <p:grpSpPr>
+        <a:xfrm>
+          <a:off x="0" y="0"/>
+          <a:ext cx="0" cy="0"/>
+          <a:chOff x="0" y="0"/>
+          <a:chExt cx="0" cy="0"/>
+        </a:xfrm>
+      </p:grpSpPr>
+      <p:sp>
+        <p:nvSpPr>
+          <p:cNvPr id="2" name="Foliennummernplatzhalter 1">
+            <a:extLst>
+              <a:ext uri="{FF2B5EF4-FFF2-40B4-BE49-F238E27FC236}">
+                <a16:creationId xmlns:a16="http://schemas.microsoft.com/office/drawing/2014/main" id="{8F697C47-A182-C146-BC1E-03C534FD55B8}"/>
+              </a:ext>
+            </a:extLst>
+          </p:cNvPr>
+          <p:cNvSpPr>
+            <a:spLocks noGrp="1"/>
+          </p:cNvSpPr>
+          <p:nvPr>
+            <p:ph type="sldNum" sz="quarter" idx="10"/>
+          </p:nvPr>
+        </p:nvSpPr>
+        <p:spPr/>
+        <p:txBody>
+          <a:bodyPr/>
+          <a:lstStyle/>
+          <a:p>
+            <a:fld id="{4C9BCB9A-1FC9-B141-82B1-F720E2D6C81A}" type="slidenum">
+              <a:rPr lang="de-DE" smtClean="0"/>
+              <a:pPr/>
+              <a:t>6</a:t>
+            </a:fld>
+            <a:endParaRPr lang="de-DE" dirty="0"/>
+          </a:p>
+        </p:txBody>
+      </p:sp>
+      <p:sp>
+        <p:nvSpPr>
+          <p:cNvPr id="3" name="Textplatzhalter 2">
+            <a:extLst>
+              <a:ext uri="{FF2B5EF4-FFF2-40B4-BE49-F238E27FC236}">
+                <a16:creationId xmlns:a16="http://schemas.microsoft.com/office/drawing/2014/main" id="{57E923F8-5CFF-3347-ACB7-7478B6D4BB6E}"/>
+              </a:ext>
+            </a:extLst>
+          </p:cNvPr>
+          <p:cNvSpPr>
+            <a:spLocks noGrp="1"/>
+          </p:cNvSpPr>
+          <p:nvPr>
+            <p:ph type="body" sz="quarter" idx="17"/>
+          </p:nvPr>
+        </p:nvSpPr>
+        <p:spPr/>
+        <p:txBody>
+          <a:bodyPr/>
+          <a:lstStyle/>
+          <a:p>
+            <a:r>
+              <a:rPr lang="en-US" sz="3200" dirty="0"/>
+              <a:t>The </a:t>
+            </a:r>
+            <a:r>
+              <a:rPr lang="en-US" sz="3200" dirty="0" smtClean="0"/>
+              <a:t>course webpage</a:t>
+            </a:r>
+            <a:endParaRPr lang="de-DE" sz="3200" dirty="0"/>
+          </a:p>
+        </p:txBody>
+      </p:sp>
+      <p:sp>
+        <p:nvSpPr>
+          <p:cNvPr id="4" name="Textplatzhalter 3">
+            <a:extLst>
+              <a:ext uri="{FF2B5EF4-FFF2-40B4-BE49-F238E27FC236}">
+                <a16:creationId xmlns:a16="http://schemas.microsoft.com/office/drawing/2014/main" id="{3CE0DFEF-2098-294D-A052-7E066037F4A0}"/>
+              </a:ext>
+            </a:extLst>
+          </p:cNvPr>
+          <p:cNvSpPr>
+            <a:spLocks noGrp="1"/>
+          </p:cNvSpPr>
+          <p:nvPr>
+            <p:ph type="body" sz="quarter" idx="18"/>
+          </p:nvPr>
+        </p:nvSpPr>
+        <p:spPr/>
+        <p:txBody>
+          <a:bodyPr/>
+          <a:lstStyle/>
+          <a:p>
+            <a:pPr marL="0" indent="0">
+              <a:buNone/>
+            </a:pPr>
+            <a:r>
+              <a:rPr lang="en-US" dirty="0">
+                <a:hlinkClick r:id="rId2"/>
+              </a:rPr>
+              <a:t>https://idiv-biodiversity.github.io/yDiv_building_packages_Rstudio_GitHub/</a:t>
+            </a:r>
+            <a:endParaRPr lang="de-DE" dirty="0"/>
+          </a:p>
+        </p:txBody>
+      </p:sp>
+    </p:spTree>
+    <p:extLst>
+      <p:ext uri="{BB962C8B-B14F-4D97-AF65-F5344CB8AC3E}">
+        <p14:creationId xmlns:p14="http://schemas.microsoft.com/office/powerpoint/2010/main" val="4259105521"/>
+      </p:ext>
+    </p:extLst>
+  </p:cSld>
+  <p:clrMapOvr>
+    <a:masterClrMapping/>
+  </p:clrMapOvr>
+  <p:timing>
+    <p:tnLst>
+      <p:par>
+        <p:cTn id="1" dur="indefinite" restart="never" nodeType="tmRoot"/>
+      </p:par>
+    </p:tnLst>
   </p:timing>
 </p:sld>
 </file>
